--- a/opus_flutter/doc/scheme.pptx
+++ b/opus_flutter/doc/scheme.pptx
@@ -6,6 +6,7 @@
   </p:sldMasterIdLst>
   <p:sldIdLst>
     <p:sldId id="256" r:id="rId2"/>
+    <p:sldId id="257" r:id="rId3"/>
   </p:sldIdLst>
   <p:sldSz cx="12192000" cy="6858000"/>
   <p:notesSz cx="6858000" cy="9144000"/>
@@ -104,6 +105,11 @@
       </a:defRPr>
     </a:lvl9pPr>
   </p:defaultTextStyle>
+  <p:extLst>
+    <p:ext uri="{EFAFB233-063F-42B5-8137-9DF3F51BA10A}">
+      <p15:sldGuideLst xmlns:p15="http://schemas.microsoft.com/office/powerpoint/2012/main"/>
+    </p:ext>
+  </p:extLst>
 </p:presentation>
 </file>
 
@@ -254,7 +260,7 @@
           <a:p>
             <a:fld id="{935CEA6D-1A9A-4B4A-9DB6-31A55967E33D}" type="datetimeFigureOut">
               <a:rPr lang="de-DE" smtClean="0"/>
-              <a:t>21.05.2021</a:t>
+              <a:t>22.05.2021</a:t>
             </a:fld>
             <a:endParaRPr lang="de-DE"/>
           </a:p>
@@ -452,7 +458,7 @@
           <a:p>
             <a:fld id="{935CEA6D-1A9A-4B4A-9DB6-31A55967E33D}" type="datetimeFigureOut">
               <a:rPr lang="de-DE" smtClean="0"/>
-              <a:t>21.05.2021</a:t>
+              <a:t>22.05.2021</a:t>
             </a:fld>
             <a:endParaRPr lang="de-DE"/>
           </a:p>
@@ -660,7 +666,7 @@
           <a:p>
             <a:fld id="{935CEA6D-1A9A-4B4A-9DB6-31A55967E33D}" type="datetimeFigureOut">
               <a:rPr lang="de-DE" smtClean="0"/>
-              <a:t>21.05.2021</a:t>
+              <a:t>22.05.2021</a:t>
             </a:fld>
             <a:endParaRPr lang="de-DE"/>
           </a:p>
@@ -858,7 +864,7 @@
           <a:p>
             <a:fld id="{935CEA6D-1A9A-4B4A-9DB6-31A55967E33D}" type="datetimeFigureOut">
               <a:rPr lang="de-DE" smtClean="0"/>
-              <a:t>21.05.2021</a:t>
+              <a:t>22.05.2021</a:t>
             </a:fld>
             <a:endParaRPr lang="de-DE"/>
           </a:p>
@@ -1133,7 +1139,7 @@
           <a:p>
             <a:fld id="{935CEA6D-1A9A-4B4A-9DB6-31A55967E33D}" type="datetimeFigureOut">
               <a:rPr lang="de-DE" smtClean="0"/>
-              <a:t>21.05.2021</a:t>
+              <a:t>22.05.2021</a:t>
             </a:fld>
             <a:endParaRPr lang="de-DE"/>
           </a:p>
@@ -1398,7 +1404,7 @@
           <a:p>
             <a:fld id="{935CEA6D-1A9A-4B4A-9DB6-31A55967E33D}" type="datetimeFigureOut">
               <a:rPr lang="de-DE" smtClean="0"/>
-              <a:t>21.05.2021</a:t>
+              <a:t>22.05.2021</a:t>
             </a:fld>
             <a:endParaRPr lang="de-DE"/>
           </a:p>
@@ -1810,7 +1816,7 @@
           <a:p>
             <a:fld id="{935CEA6D-1A9A-4B4A-9DB6-31A55967E33D}" type="datetimeFigureOut">
               <a:rPr lang="de-DE" smtClean="0"/>
-              <a:t>21.05.2021</a:t>
+              <a:t>22.05.2021</a:t>
             </a:fld>
             <a:endParaRPr lang="de-DE"/>
           </a:p>
@@ -1951,7 +1957,7 @@
           <a:p>
             <a:fld id="{935CEA6D-1A9A-4B4A-9DB6-31A55967E33D}" type="datetimeFigureOut">
               <a:rPr lang="de-DE" smtClean="0"/>
-              <a:t>21.05.2021</a:t>
+              <a:t>22.05.2021</a:t>
             </a:fld>
             <a:endParaRPr lang="de-DE"/>
           </a:p>
@@ -2064,7 +2070,7 @@
           <a:p>
             <a:fld id="{935CEA6D-1A9A-4B4A-9DB6-31A55967E33D}" type="datetimeFigureOut">
               <a:rPr lang="de-DE" smtClean="0"/>
-              <a:t>21.05.2021</a:t>
+              <a:t>22.05.2021</a:t>
             </a:fld>
             <a:endParaRPr lang="de-DE"/>
           </a:p>
@@ -2375,7 +2381,7 @@
           <a:p>
             <a:fld id="{935CEA6D-1A9A-4B4A-9DB6-31A55967E33D}" type="datetimeFigureOut">
               <a:rPr lang="de-DE" smtClean="0"/>
-              <a:t>21.05.2021</a:t>
+              <a:t>22.05.2021</a:t>
             </a:fld>
             <a:endParaRPr lang="de-DE"/>
           </a:p>
@@ -2663,7 +2669,7 @@
           <a:p>
             <a:fld id="{935CEA6D-1A9A-4B4A-9DB6-31A55967E33D}" type="datetimeFigureOut">
               <a:rPr lang="de-DE" smtClean="0"/>
-              <a:t>21.05.2021</a:t>
+              <a:t>22.05.2021</a:t>
             </a:fld>
             <a:endParaRPr lang="de-DE"/>
           </a:p>
@@ -2904,7 +2910,7 @@
           <a:p>
             <a:fld id="{935CEA6D-1A9A-4B4A-9DB6-31A55967E33D}" type="datetimeFigureOut">
               <a:rPr lang="de-DE" smtClean="0"/>
-              <a:t>21.05.2021</a:t>
+              <a:t>22.05.2021</a:t>
             </a:fld>
             <a:endParaRPr lang="de-DE"/>
           </a:p>
@@ -3342,7 +3348,7 @@
             <a:avLst/>
           </a:prstGeom>
           <a:solidFill>
-            <a:srgbClr val="FF0000"/>
+            <a:schemeClr val="accent4"/>
           </a:solidFill>
           <a:ln>
             <a:noFill/>
@@ -3394,7 +3400,7 @@
             <a:avLst/>
           </a:prstGeom>
           <a:solidFill>
-            <a:srgbClr val="92D050"/>
+            <a:srgbClr val="7EE787"/>
           </a:solidFill>
           <a:ln>
             <a:noFill/>
@@ -3446,7 +3452,7 @@
             <a:avLst/>
           </a:prstGeom>
           <a:solidFill>
-            <a:srgbClr val="00B0F0"/>
+            <a:srgbClr val="95D6FF"/>
           </a:solidFill>
           <a:ln>
             <a:noFill/>
@@ -3498,7 +3504,7 @@
             <a:avLst/>
           </a:prstGeom>
           <a:solidFill>
-            <a:srgbClr val="00B0F0"/>
+            <a:srgbClr val="95D6FF"/>
           </a:solidFill>
           <a:ln>
             <a:noFill/>
@@ -3550,7 +3556,7 @@
             <a:avLst/>
           </a:prstGeom>
           <a:solidFill>
-            <a:srgbClr val="00B0F0"/>
+            <a:srgbClr val="95D6FF"/>
           </a:solidFill>
           <a:ln>
             <a:noFill/>
@@ -3602,7 +3608,7 @@
             <a:avLst/>
           </a:prstGeom>
           <a:solidFill>
-            <a:srgbClr val="00B0F0"/>
+            <a:srgbClr val="95D6FF"/>
           </a:solidFill>
           <a:ln>
             <a:noFill/>
@@ -3654,7 +3660,7 @@
             <a:avLst/>
           </a:prstGeom>
           <a:solidFill>
-            <a:srgbClr val="00B0F0"/>
+            <a:srgbClr val="95D6FF"/>
           </a:solidFill>
           <a:ln>
             <a:noFill/>
@@ -3714,11 +3720,23 @@
           <a:lstStyle/>
           <a:p>
             <a:r>
-              <a:rPr lang="de-DE" dirty="0" err="1"/>
+              <a:rPr lang="de-DE" dirty="0" err="1">
+                <a:solidFill>
+                  <a:schemeClr val="bg2">
+                    <a:lumMod val="50000"/>
+                  </a:schemeClr>
+                </a:solidFill>
+              </a:rPr>
               <a:t>Your</a:t>
             </a:r>
             <a:r>
-              <a:rPr lang="de-DE" dirty="0"/>
+              <a:rPr lang="de-DE" dirty="0">
+                <a:solidFill>
+                  <a:schemeClr val="bg2">
+                    <a:lumMod val="50000"/>
+                  </a:schemeClr>
+                </a:solidFill>
+              </a:rPr>
               <a:t> App</a:t>
             </a:r>
           </a:p>
@@ -3749,7 +3767,7 @@
           </a:prstGeom>
           <a:ln w="25400">
             <a:solidFill>
-              <a:schemeClr val="tx1"/>
+              <a:srgbClr val="808080"/>
             </a:solidFill>
             <a:tailEnd type="triangle"/>
           </a:ln>
@@ -3794,7 +3812,7 @@
           </a:prstGeom>
           <a:ln w="25400">
             <a:solidFill>
-              <a:schemeClr val="tx1"/>
+              <a:srgbClr val="808080"/>
             </a:solidFill>
             <a:tailEnd type="triangle"/>
           </a:ln>
@@ -3847,26 +3865,62 @@
               <a:buChar char="•"/>
             </a:pPr>
             <a:r>
-              <a:rPr lang="de-DE" dirty="0" err="1"/>
+              <a:rPr lang="de-DE" dirty="0" err="1">
+                <a:solidFill>
+                  <a:schemeClr val="bg2">
+                    <a:lumMod val="50000"/>
+                  </a:schemeClr>
+                </a:solidFill>
+              </a:rPr>
               <a:t>Obtain</a:t>
             </a:r>
             <a:r>
-              <a:rPr lang="de-DE" dirty="0"/>
+              <a:rPr lang="de-DE" dirty="0">
+                <a:solidFill>
+                  <a:schemeClr val="bg2">
+                    <a:lumMod val="50000"/>
+                  </a:schemeClr>
+                </a:solidFill>
+              </a:rPr>
               <a:t> </a:t>
             </a:r>
             <a:r>
-              <a:rPr lang="de-DE" dirty="0" err="1"/>
+              <a:rPr lang="de-DE" dirty="0" err="1">
+                <a:solidFill>
+                  <a:schemeClr val="bg2">
+                    <a:lumMod val="50000"/>
+                  </a:schemeClr>
+                </a:solidFill>
+              </a:rPr>
               <a:t>opus</a:t>
             </a:r>
             <a:r>
-              <a:rPr lang="de-DE" dirty="0"/>
+              <a:rPr lang="de-DE" dirty="0">
+                <a:solidFill>
+                  <a:schemeClr val="bg2">
+                    <a:lumMod val="50000"/>
+                  </a:schemeClr>
+                </a:solidFill>
+              </a:rPr>
               <a:t> </a:t>
             </a:r>
             <a:r>
-              <a:rPr lang="de-DE" dirty="0" err="1"/>
+              <a:rPr lang="de-DE" dirty="0" err="1">
+                <a:solidFill>
+                  <a:schemeClr val="bg2">
+                    <a:lumMod val="50000"/>
+                  </a:schemeClr>
+                </a:solidFill>
+              </a:rPr>
               <a:t>DynamicLibrary</a:t>
             </a:r>
-            <a:endParaRPr lang="de-DE" dirty="0"/>
+            <a:endParaRPr lang="de-DE" dirty="0">
+              <a:solidFill>
+                <a:schemeClr val="bg2">
+                  <a:lumMod val="50000"/>
+                </a:schemeClr>
+              </a:solidFill>
+            </a:endParaRPr>
           </a:p>
         </p:txBody>
       </p:sp>
@@ -3903,22 +3957,42 @@
               <a:buChar char="•"/>
             </a:pPr>
             <a:r>
-              <a:rPr lang="de-DE" dirty="0"/>
+              <a:rPr lang="de-DE" dirty="0">
+                <a:solidFill>
+                  <a:srgbClr val="808080"/>
+                </a:solidFill>
+              </a:rPr>
               <a:t>Pass </a:t>
             </a:r>
             <a:r>
-              <a:rPr lang="de-DE" dirty="0" err="1"/>
+              <a:rPr lang="de-DE" dirty="0" err="1">
+                <a:solidFill>
+                  <a:srgbClr val="808080"/>
+                </a:solidFill>
+              </a:rPr>
               <a:t>opus</a:t>
             </a:r>
             <a:r>
-              <a:rPr lang="de-DE" dirty="0"/>
+              <a:rPr lang="de-DE" dirty="0">
+                <a:solidFill>
+                  <a:srgbClr val="808080"/>
+                </a:solidFill>
+              </a:rPr>
               <a:t> </a:t>
             </a:r>
             <a:r>
-              <a:rPr lang="de-DE" dirty="0" err="1"/>
+              <a:rPr lang="de-DE" dirty="0" err="1">
+                <a:solidFill>
+                  <a:srgbClr val="808080"/>
+                </a:solidFill>
+              </a:rPr>
               <a:t>DynamicLibrary</a:t>
             </a:r>
-            <a:endParaRPr lang="de-DE" dirty="0"/>
+            <a:endParaRPr lang="de-DE" dirty="0">
+              <a:solidFill>
+                <a:srgbClr val="808080"/>
+              </a:solidFill>
+            </a:endParaRPr>
           </a:p>
           <a:p>
             <a:pPr marL="285750" indent="-285750">
@@ -3926,14 +4000,26 @@
               <a:buChar char="•"/>
             </a:pPr>
             <a:r>
-              <a:rPr lang="de-DE" dirty="0"/>
+              <a:rPr lang="de-DE" dirty="0">
+                <a:solidFill>
+                  <a:srgbClr val="808080"/>
+                </a:solidFill>
+              </a:rPr>
               <a:t>Use </a:t>
             </a:r>
             <a:r>
-              <a:rPr lang="de-DE" dirty="0" err="1"/>
+              <a:rPr lang="de-DE" dirty="0" err="1">
+                <a:solidFill>
+                  <a:srgbClr val="808080"/>
+                </a:solidFill>
+              </a:rPr>
               <a:t>opus_dart</a:t>
             </a:r>
-            <a:endParaRPr lang="de-DE" dirty="0"/>
+            <a:endParaRPr lang="de-DE" dirty="0">
+              <a:solidFill>
+                <a:srgbClr val="808080"/>
+              </a:solidFill>
+            </a:endParaRPr>
           </a:p>
         </p:txBody>
       </p:sp>
@@ -3967,10 +4053,22 @@
           <a:p>
             <a:pPr algn="ctr"/>
             <a:r>
-              <a:rPr lang="de-DE" dirty="0" err="1"/>
+              <a:rPr lang="de-DE" dirty="0" err="1">
+                <a:solidFill>
+                  <a:schemeClr val="bg2">
+                    <a:lumMod val="50000"/>
+                  </a:schemeClr>
+                </a:solidFill>
+              </a:rPr>
               <a:t>opus_dart</a:t>
             </a:r>
-            <a:endParaRPr lang="de-DE" dirty="0"/>
+            <a:endParaRPr lang="de-DE" dirty="0">
+              <a:solidFill>
+                <a:schemeClr val="bg2">
+                  <a:lumMod val="50000"/>
+                </a:schemeClr>
+              </a:solidFill>
+            </a:endParaRPr>
           </a:p>
         </p:txBody>
       </p:sp>
@@ -4004,10 +4102,22 @@
           <a:p>
             <a:pPr algn="ctr"/>
             <a:r>
-              <a:rPr lang="de-DE" dirty="0" err="1"/>
+              <a:rPr lang="de-DE" dirty="0" err="1">
+                <a:solidFill>
+                  <a:schemeClr val="bg2">
+                    <a:lumMod val="50000"/>
+                  </a:schemeClr>
+                </a:solidFill>
+              </a:rPr>
               <a:t>opus_flutter</a:t>
             </a:r>
-            <a:endParaRPr lang="de-DE" dirty="0"/>
+            <a:endParaRPr lang="de-DE" dirty="0">
+              <a:solidFill>
+                <a:schemeClr val="bg2">
+                  <a:lumMod val="50000"/>
+                </a:schemeClr>
+              </a:solidFill>
+            </a:endParaRPr>
           </a:p>
         </p:txBody>
       </p:sp>
@@ -4041,10 +4151,22 @@
           <a:p>
             <a:pPr algn="ctr"/>
             <a:r>
-              <a:rPr lang="de-DE" dirty="0" err="1"/>
+              <a:rPr lang="de-DE" dirty="0" err="1">
+                <a:solidFill>
+                  <a:schemeClr val="bg2">
+                    <a:lumMod val="50000"/>
+                  </a:schemeClr>
+                </a:solidFill>
+              </a:rPr>
               <a:t>opus_flutter_platform_interface</a:t>
             </a:r>
-            <a:endParaRPr lang="de-DE" dirty="0"/>
+            <a:endParaRPr lang="de-DE" dirty="0">
+              <a:solidFill>
+                <a:schemeClr val="bg2">
+                  <a:lumMod val="50000"/>
+                </a:schemeClr>
+              </a:solidFill>
+            </a:endParaRPr>
           </a:p>
         </p:txBody>
       </p:sp>
@@ -4078,10 +4200,22 @@
           <a:p>
             <a:pPr algn="ctr"/>
             <a:r>
-              <a:rPr lang="de-DE" dirty="0" err="1"/>
+              <a:rPr lang="de-DE" dirty="0" err="1">
+                <a:solidFill>
+                  <a:schemeClr val="bg2">
+                    <a:lumMod val="50000"/>
+                  </a:schemeClr>
+                </a:solidFill>
+              </a:rPr>
               <a:t>opus_flutter_ios</a:t>
             </a:r>
-            <a:endParaRPr lang="de-DE" dirty="0"/>
+            <a:endParaRPr lang="de-DE" dirty="0">
+              <a:solidFill>
+                <a:schemeClr val="bg2">
+                  <a:lumMod val="50000"/>
+                </a:schemeClr>
+              </a:solidFill>
+            </a:endParaRPr>
           </a:p>
         </p:txBody>
       </p:sp>
@@ -4115,10 +4249,22 @@
           <a:p>
             <a:pPr algn="ctr"/>
             <a:r>
-              <a:rPr lang="de-DE" dirty="0" err="1"/>
+              <a:rPr lang="de-DE" dirty="0" err="1">
+                <a:solidFill>
+                  <a:schemeClr val="bg2">
+                    <a:lumMod val="50000"/>
+                  </a:schemeClr>
+                </a:solidFill>
+              </a:rPr>
               <a:t>opus_flutter_windows</a:t>
             </a:r>
-            <a:endParaRPr lang="de-DE" dirty="0"/>
+            <a:endParaRPr lang="de-DE" dirty="0">
+              <a:solidFill>
+                <a:schemeClr val="bg2">
+                  <a:lumMod val="50000"/>
+                </a:schemeClr>
+              </a:solidFill>
+            </a:endParaRPr>
           </a:p>
         </p:txBody>
       </p:sp>
@@ -4152,10 +4298,22 @@
           <a:p>
             <a:pPr algn="ctr"/>
             <a:r>
-              <a:rPr lang="de-DE" dirty="0" err="1"/>
+              <a:rPr lang="de-DE" dirty="0" err="1">
+                <a:solidFill>
+                  <a:schemeClr val="bg2">
+                    <a:lumMod val="50000"/>
+                  </a:schemeClr>
+                </a:solidFill>
+              </a:rPr>
               <a:t>opus_flutter_android</a:t>
             </a:r>
-            <a:endParaRPr lang="de-DE" dirty="0"/>
+            <a:endParaRPr lang="de-DE" dirty="0">
+              <a:solidFill>
+                <a:schemeClr val="bg2">
+                  <a:lumMod val="50000"/>
+                </a:schemeClr>
+              </a:solidFill>
+            </a:endParaRPr>
           </a:p>
         </p:txBody>
       </p:sp>
@@ -4182,7 +4340,7 @@
           <a:noFill/>
           <a:ln w="34925">
             <a:solidFill>
-              <a:schemeClr val="tx1"/>
+              <a:srgbClr val="808080"/>
             </a:solidFill>
             <a:prstDash val="dash"/>
           </a:ln>
@@ -4242,22 +4400,52 @@
           <a:p>
             <a:pPr algn="r"/>
             <a:r>
-              <a:rPr lang="de-DE" dirty="0"/>
+              <a:rPr lang="de-DE" dirty="0">
+                <a:solidFill>
+                  <a:schemeClr val="bg2">
+                    <a:lumMod val="50000"/>
+                  </a:schemeClr>
+                </a:solidFill>
+              </a:rPr>
               <a:t>Federal </a:t>
             </a:r>
             <a:r>
-              <a:rPr lang="de-DE" dirty="0" err="1"/>
+              <a:rPr lang="de-DE" dirty="0" err="1">
+                <a:solidFill>
+                  <a:schemeClr val="bg2">
+                    <a:lumMod val="50000"/>
+                  </a:schemeClr>
+                </a:solidFill>
+              </a:rPr>
               <a:t>plugin</a:t>
             </a:r>
             <a:r>
-              <a:rPr lang="de-DE" dirty="0"/>
+              <a:rPr lang="de-DE" dirty="0">
+                <a:solidFill>
+                  <a:schemeClr val="bg2">
+                    <a:lumMod val="50000"/>
+                  </a:schemeClr>
+                </a:solidFill>
+              </a:rPr>
               <a:t> </a:t>
             </a:r>
             <a:r>
-              <a:rPr lang="de-DE" dirty="0" err="1"/>
+              <a:rPr lang="de-DE" dirty="0" err="1">
+                <a:solidFill>
+                  <a:schemeClr val="bg2">
+                    <a:lumMod val="50000"/>
+                  </a:schemeClr>
+                </a:solidFill>
+              </a:rPr>
               <a:t>structure</a:t>
             </a:r>
-            <a:endParaRPr lang="de-DE" dirty="0"/>
+            <a:endParaRPr lang="de-DE" dirty="0">
+              <a:solidFill>
+                <a:schemeClr val="bg2">
+                  <a:lumMod val="50000"/>
+                </a:schemeClr>
+              </a:solidFill>
+            </a:endParaRPr>
           </a:p>
         </p:txBody>
       </p:sp>
@@ -4287,7 +4475,7 @@
           </a:prstGeom>
           <a:ln w="25400">
             <a:solidFill>
-              <a:schemeClr val="tx1"/>
+              <a:srgbClr val="808080"/>
             </a:solidFill>
             <a:tailEnd type="triangle"/>
           </a:ln>
@@ -4333,7 +4521,7 @@
           </a:prstGeom>
           <a:ln w="25400">
             <a:solidFill>
-              <a:schemeClr val="tx1"/>
+              <a:srgbClr val="808080"/>
             </a:solidFill>
             <a:tailEnd type="triangle"/>
           </a:ln>
@@ -4379,7 +4567,7 @@
           </a:prstGeom>
           <a:ln w="25400">
             <a:solidFill>
-              <a:schemeClr val="tx1"/>
+              <a:srgbClr val="808080"/>
             </a:solidFill>
             <a:tailEnd type="triangle"/>
           </a:ln>
@@ -4425,7 +4613,7 @@
           </a:prstGeom>
           <a:ln w="25400">
             <a:solidFill>
-              <a:schemeClr val="tx1"/>
+              <a:srgbClr val="808080"/>
             </a:solidFill>
             <a:tailEnd type="triangle"/>
           </a:ln>
@@ -4449,6 +4637,88 @@
     <p:extLst>
       <p:ext uri="{BB962C8B-B14F-4D97-AF65-F5344CB8AC3E}">
         <p14:creationId xmlns:p14="http://schemas.microsoft.com/office/powerpoint/2010/main" val="3468973247"/>
+      </p:ext>
+    </p:extLst>
+  </p:cSld>
+  <p:clrMapOvr>
+    <a:masterClrMapping/>
+  </p:clrMapOvr>
+</p:sld>
+</file>
+
+<file path=ppt/slides/slide2.xml><?xml version="1.0" encoding="utf-8"?>
+<p:sld xmlns:a="http://schemas.openxmlformats.org/drawingml/2006/main" xmlns:r="http://schemas.openxmlformats.org/officeDocument/2006/relationships" xmlns:p="http://schemas.openxmlformats.org/presentationml/2006/main">
+  <p:cSld>
+    <p:spTree>
+      <p:nvGrpSpPr>
+        <p:cNvPr id="1" name=""/>
+        <p:cNvGrpSpPr/>
+        <p:nvPr/>
+      </p:nvGrpSpPr>
+      <p:grpSpPr>
+        <a:xfrm>
+          <a:off x="0" y="0"/>
+          <a:ext cx="0" cy="0"/>
+          <a:chOff x="0" y="0"/>
+          <a:chExt cx="0" cy="0"/>
+        </a:xfrm>
+      </p:grpSpPr>
+      <p:sp>
+        <p:nvSpPr>
+          <p:cNvPr id="4" name="Rechteck 3">
+            <a:extLst>
+              <a:ext uri="{FF2B5EF4-FFF2-40B4-BE49-F238E27FC236}">
+                <a16:creationId xmlns:a16="http://schemas.microsoft.com/office/drawing/2014/main" id="{9D5E2F36-6E9C-4F8A-81D2-2906CA2631C0}"/>
+              </a:ext>
+            </a:extLst>
+          </p:cNvPr>
+          <p:cNvSpPr/>
+          <p:nvPr/>
+        </p:nvSpPr>
+        <p:spPr>
+          <a:xfrm>
+            <a:off x="0" y="1"/>
+            <a:ext cx="12192000" cy="6858000"/>
+          </a:xfrm>
+          <a:prstGeom prst="rect">
+            <a:avLst/>
+          </a:prstGeom>
+          <a:solidFill>
+            <a:srgbClr val="0D1117"/>
+          </a:solidFill>
+          <a:ln>
+            <a:noFill/>
+          </a:ln>
+        </p:spPr>
+        <p:style>
+          <a:lnRef idx="2">
+            <a:schemeClr val="accent1">
+              <a:shade val="50000"/>
+            </a:schemeClr>
+          </a:lnRef>
+          <a:fillRef idx="1">
+            <a:schemeClr val="accent1"/>
+          </a:fillRef>
+          <a:effectRef idx="0">
+            <a:schemeClr val="accent1"/>
+          </a:effectRef>
+          <a:fontRef idx="minor">
+            <a:schemeClr val="lt1"/>
+          </a:fontRef>
+        </p:style>
+        <p:txBody>
+          <a:bodyPr rtlCol="0" anchor="ctr"/>
+          <a:lstStyle/>
+          <a:p>
+            <a:pPr algn="ctr"/>
+            <a:endParaRPr lang="de-DE"/>
+          </a:p>
+        </p:txBody>
+      </p:sp>
+    </p:spTree>
+    <p:extLst>
+      <p:ext uri="{BB962C8B-B14F-4D97-AF65-F5344CB8AC3E}">
+        <p14:creationId xmlns:p14="http://schemas.microsoft.com/office/powerpoint/2010/main" val="450476673"/>
       </p:ext>
     </p:extLst>
   </p:cSld>
